--- a/DATA CONTROL LANGUAGE (DCL).pptx
+++ b/DATA CONTROL LANGUAGE (DCL).pptx
@@ -6288,6 +6288,35 @@
           </a:prstGeom>
         </p:spPr>
       </p:pic>
+      <p:pic>
+        <p:nvPicPr>
+          <p:cNvPr id="7" name="Picture 6"/>
+          <p:cNvPicPr>
+            <a:picLocks noChangeAspect="1"/>
+          </p:cNvPicPr>
+          <p:nvPr/>
+        </p:nvPicPr>
+        <p:blipFill rotWithShape="1">
+          <a:blip r:embed="rId3">
+            <a:extLst>
+              <a:ext uri="{28A0092B-C50C-407E-A947-70E740481C1C}">
+                <a14:useLocalDpi xmlns:a14="http://schemas.microsoft.com/office/drawing/2010/main" val="0"/>
+              </a:ext>
+            </a:extLst>
+          </a:blip>
+          <a:srcRect b="12653"/>
+          <a:stretch/>
+        </p:blipFill>
+        <p:spPr>
+          <a:xfrm>
+            <a:off x="2411735" y="3815656"/>
+            <a:ext cx="4051191" cy="2225706"/>
+          </a:xfrm>
+          <a:prstGeom prst="rect">
+            <a:avLst/>
+          </a:prstGeom>
+        </p:spPr>
+      </p:pic>
     </p:spTree>
     <p:extLst>
       <p:ext uri="{BB962C8B-B14F-4D97-AF65-F5344CB8AC3E}">
@@ -6429,6 +6458,30 @@
           <a:xfrm>
             <a:off x="8197327" y="5529430"/>
             <a:ext cx="3799074" cy="889971"/>
+          </a:xfrm>
+          <a:prstGeom prst="rect">
+            <a:avLst/>
+          </a:prstGeom>
+        </p:spPr>
+      </p:pic>
+      <p:pic>
+        <p:nvPicPr>
+          <p:cNvPr id="6" name="Picture 5"/>
+          <p:cNvPicPr>
+            <a:picLocks noChangeAspect="1"/>
+          </p:cNvPicPr>
+          <p:nvPr/>
+        </p:nvPicPr>
+        <p:blipFill>
+          <a:blip r:embed="rId3"/>
+          <a:stretch>
+            <a:fillRect/>
+          </a:stretch>
+        </p:blipFill>
+        <p:spPr>
+          <a:xfrm>
+            <a:off x="5759476" y="1591648"/>
+            <a:ext cx="3209063" cy="3337425"/>
           </a:xfrm>
           <a:prstGeom prst="rect">
             <a:avLst/>
@@ -6502,6 +6555,36 @@
           </a:prstGeom>
         </p:spPr>
       </p:pic>
+      <p:sp>
+        <p:nvSpPr>
+          <p:cNvPr id="2" name="TextBox 1"/>
+          <p:cNvSpPr txBox="1"/>
+          <p:nvPr/>
+        </p:nvSpPr>
+        <p:spPr>
+          <a:xfrm>
+            <a:off x="1219200" y="673768"/>
+            <a:ext cx="4106779" cy="646331"/>
+          </a:xfrm>
+          <a:prstGeom prst="rect">
+            <a:avLst/>
+          </a:prstGeom>
+          <a:noFill/>
+        </p:spPr>
+        <p:txBody>
+          <a:bodyPr wrap="square" rtlCol="0">
+            <a:spAutoFit/>
+          </a:bodyPr>
+          <a:lstStyle/>
+          <a:p>
+            <a:r>
+              <a:rPr lang="en-IN" sz="3600" dirty="0" smtClean="0"/>
+              <a:t>SQL ANALOGY</a:t>
+            </a:r>
+            <a:endParaRPr lang="en-IN" sz="3600" dirty="0"/>
+          </a:p>
+        </p:txBody>
+      </p:sp>
     </p:spTree>
     <p:extLst>
       <p:ext uri="{BB962C8B-B14F-4D97-AF65-F5344CB8AC3E}">
